--- a/docker-kubernetes-intro.pptx
+++ b/docker-kubernetes-intro.pptx
@@ -10682,7 +10682,7 @@
       </p:sp>
       <p:pic>
         <p:nvPicPr>
-          <p:cNvPr id="7" name="Picture 6"/>
+          <p:cNvPr id="10" name="Picture 9"/>
           <p:cNvPicPr>
             <a:picLocks noChangeAspect="1"/>
           </p:cNvPicPr>

--- a/docker-kubernetes-intro.pptx
+++ b/docker-kubernetes-intro.pptx
@@ -9,19 +9,20 @@
     <p:sldMasterId id="2147483708" r:id="rId5"/>
   </p:sldMasterIdLst>
   <p:notesMasterIdLst>
-    <p:notesMasterId r:id="rId13"/>
+    <p:notesMasterId r:id="rId14"/>
   </p:notesMasterIdLst>
   <p:handoutMasterIdLst>
-    <p:handoutMasterId r:id="rId14"/>
+    <p:handoutMasterId r:id="rId15"/>
   </p:handoutMasterIdLst>
   <p:sldIdLst>
     <p:sldId id="292" r:id="rId6"/>
-    <p:sldId id="294" r:id="rId7"/>
-    <p:sldId id="297" r:id="rId8"/>
-    <p:sldId id="298" r:id="rId9"/>
-    <p:sldId id="295" r:id="rId10"/>
-    <p:sldId id="296" r:id="rId11"/>
-    <p:sldId id="291" r:id="rId12"/>
+    <p:sldId id="299" r:id="rId7"/>
+    <p:sldId id="294" r:id="rId8"/>
+    <p:sldId id="297" r:id="rId9"/>
+    <p:sldId id="298" r:id="rId10"/>
+    <p:sldId id="295" r:id="rId11"/>
+    <p:sldId id="296" r:id="rId12"/>
+    <p:sldId id="291" r:id="rId13"/>
   </p:sldIdLst>
   <p:sldSz cx="14630400" cy="9144000"/>
   <p:notesSz cx="6858000" cy="9144000"/>
@@ -1067,6 +1068,94 @@
             <a:fld id="{998B3696-3573-7348-AEF2-F52FDF9B1E73}" type="slidenum">
               <a:rPr lang="en-US" smtClean="0"/>
               <a:t>6</a:t>
+            </a:fld>
+            <a:endParaRPr lang="en-US"/>
+          </a:p>
+        </p:txBody>
+      </p:sp>
+    </p:spTree>
+    <p:extLst>
+      <p:ext uri="{BB962C8B-B14F-4D97-AF65-F5344CB8AC3E}">
+        <p14:creationId xmlns:p14="http://schemas.microsoft.com/office/powerpoint/2010/main" val="4024791216"/>
+      </p:ext>
+    </p:extLst>
+  </p:cSld>
+  <p:clrMapOvr>
+    <a:masterClrMapping/>
+  </p:clrMapOvr>
+</p:notes>
+</file>
+
+<file path=ppt/notesSlides/notesSlide6.xml><?xml version="1.0" encoding="utf-8"?>
+<p:notes xmlns:a="http://schemas.openxmlformats.org/drawingml/2006/main" xmlns:r="http://schemas.openxmlformats.org/officeDocument/2006/relationships" xmlns:p="http://schemas.openxmlformats.org/presentationml/2006/main">
+  <p:cSld>
+    <p:spTree>
+      <p:nvGrpSpPr>
+        <p:cNvPr id="1" name=""/>
+        <p:cNvGrpSpPr/>
+        <p:nvPr/>
+      </p:nvGrpSpPr>
+      <p:grpSpPr>
+        <a:xfrm>
+          <a:off x="0" y="0"/>
+          <a:ext cx="0" cy="0"/>
+          <a:chOff x="0" y="0"/>
+          <a:chExt cx="0" cy="0"/>
+        </a:xfrm>
+      </p:grpSpPr>
+      <p:sp>
+        <p:nvSpPr>
+          <p:cNvPr id="2" name="Slide Image Placeholder 1"/>
+          <p:cNvSpPr>
+            <a:spLocks noGrp="1" noRot="1" noChangeAspect="1"/>
+          </p:cNvSpPr>
+          <p:nvPr>
+            <p:ph type="sldImg"/>
+          </p:nvPr>
+        </p:nvSpPr>
+        <p:spPr/>
+      </p:sp>
+      <p:sp>
+        <p:nvSpPr>
+          <p:cNvPr id="3" name="Notes Placeholder 2"/>
+          <p:cNvSpPr>
+            <a:spLocks noGrp="1"/>
+          </p:cNvSpPr>
+          <p:nvPr>
+            <p:ph type="body" idx="1"/>
+          </p:nvPr>
+        </p:nvSpPr>
+        <p:spPr/>
+        <p:txBody>
+          <a:bodyPr/>
+          <a:lstStyle/>
+          <a:p>
+            <a:pPr marL="171450" indent="-171450">
+              <a:buFont typeface="Arial"/>
+              <a:buChar char="•"/>
+            </a:pPr>
+            <a:endParaRPr lang="en-US" baseline="0" dirty="0" smtClean="0"/>
+          </a:p>
+        </p:txBody>
+      </p:sp>
+      <p:sp>
+        <p:nvSpPr>
+          <p:cNvPr id="4" name="Slide Number Placeholder 3"/>
+          <p:cNvSpPr>
+            <a:spLocks noGrp="1"/>
+          </p:cNvSpPr>
+          <p:nvPr>
+            <p:ph type="sldNum" sz="quarter" idx="10"/>
+          </p:nvPr>
+        </p:nvSpPr>
+        <p:spPr/>
+        <p:txBody>
+          <a:bodyPr/>
+          <a:lstStyle/>
+          <a:p>
+            <a:fld id="{998B3696-3573-7348-AEF2-F52FDF9B1E73}" type="slidenum">
+              <a:rPr lang="en-US" smtClean="0"/>
+              <a:t>7</a:t>
             </a:fld>
             <a:endParaRPr lang="en-US"/>
           </a:p>
@@ -10148,7 +10237,7 @@
                 <a:ea typeface="+mj-ea"/>
                 <a:cs typeface="Arial" pitchFamily="34" charset="0"/>
               </a:rPr>
-              <a:t>1. Docker</a:t>
+              <a:t>Intro</a:t>
             </a:r>
             <a:endParaRPr lang="en-US" sz="2800" b="1" dirty="0">
               <a:gradFill>
@@ -10172,34 +10261,118 @@
           </a:p>
         </p:txBody>
       </p:sp>
-      <p:pic>
-        <p:nvPicPr>
-          <p:cNvPr id="7" name="Picture 6"/>
-          <p:cNvPicPr>
-            <a:picLocks noChangeAspect="1"/>
-          </p:cNvPicPr>
+      <p:sp>
+        <p:nvSpPr>
+          <p:cNvPr id="3" name="Rectangle 2"/>
+          <p:cNvSpPr/>
           <p:nvPr/>
-        </p:nvPicPr>
-        <p:blipFill>
-          <a:blip r:embed="rId3"/>
-          <a:stretch>
-            <a:fillRect/>
-          </a:stretch>
-        </p:blipFill>
+        </p:nvSpPr>
         <p:spPr>
           <a:xfrm>
-            <a:off x="999067" y="1011997"/>
-            <a:ext cx="12987866" cy="7320433"/>
+            <a:off x="940767" y="1940510"/>
+            <a:ext cx="11206890" cy="6186310"/>
           </a:xfrm>
           <a:prstGeom prst="rect">
             <a:avLst/>
           </a:prstGeom>
         </p:spPr>
-      </p:pic>
+        <p:txBody>
+          <a:bodyPr wrap="square">
+            <a:spAutoFit/>
+          </a:bodyPr>
+          <a:lstStyle/>
+          <a:p>
+            <a:r>
+              <a:rPr lang="en-US" sz="3600" dirty="0"/>
+              <a:t>Intro on what the demo will be about:</a:t>
+            </a:r>
+          </a:p>
+          <a:p>
+            <a:r>
+              <a:rPr lang="en-US" sz="3600" dirty="0"/>
+              <a:t>Docker/Kubernetes intro, and the project description</a:t>
+            </a:r>
+          </a:p>
+          <a:p>
+            <a:pPr lvl="1"/>
+            <a:r>
+              <a:rPr lang="en-US" sz="3600" dirty="0" err="1"/>
+              <a:t>ppt</a:t>
+            </a:r>
+            <a:endParaRPr lang="en-US" sz="3600" dirty="0"/>
+          </a:p>
+          <a:p>
+            <a:r>
+              <a:rPr lang="en-US" sz="3600" dirty="0"/>
+              <a:t>Docker and Google Container engine quick overview</a:t>
+            </a:r>
+          </a:p>
+          <a:p>
+            <a:pPr lvl="1"/>
+            <a:r>
+              <a:rPr lang="en-US" sz="3600" dirty="0"/>
+              <a:t>Docker - shipping container</a:t>
+            </a:r>
+          </a:p>
+          <a:p>
+            <a:pPr lvl="1"/>
+            <a:r>
+              <a:rPr lang="en-US" sz="3600" dirty="0"/>
+              <a:t>Google Container Engine - Kubernetes </a:t>
+            </a:r>
+          </a:p>
+          <a:p>
+            <a:r>
+              <a:rPr lang="en-US" sz="3600" dirty="0"/>
+              <a:t>What the demo will be about</a:t>
+            </a:r>
+            <a:r>
+              <a:rPr lang="en-US" sz="3600" dirty="0" smtClean="0"/>
+              <a:t>:</a:t>
+            </a:r>
+          </a:p>
+          <a:p>
+            <a:r>
+              <a:rPr lang="en-US" sz="3600" dirty="0"/>
+              <a:t>	</a:t>
+            </a:r>
+            <a:r>
+              <a:rPr lang="en-US" sz="3600" dirty="0" smtClean="0"/>
+              <a:t>Application</a:t>
+            </a:r>
+            <a:endParaRPr lang="en-US" sz="3600" dirty="0"/>
+          </a:p>
+          <a:p>
+            <a:pPr lvl="1"/>
+            <a:r>
+              <a:rPr lang="en-US" sz="3600" dirty="0"/>
+              <a:t>Problem statement: </a:t>
+            </a:r>
+            <a:r>
+              <a:rPr lang="en-US" sz="3600" dirty="0" err="1"/>
+              <a:t>ETag</a:t>
+            </a:r>
+            <a:endParaRPr lang="en-US" sz="3600" dirty="0"/>
+          </a:p>
+          <a:p>
+            <a:pPr lvl="1"/>
+            <a:r>
+              <a:rPr lang="en-US" sz="3600" dirty="0"/>
+              <a:t>Hot fix roll out description</a:t>
+            </a:r>
+          </a:p>
+          <a:p>
+            <a:r>
+              <a:rPr lang="en-US" sz="3600" dirty="0"/>
+              <a:t>Q&amp;A </a:t>
+            </a:r>
+          </a:p>
+        </p:txBody>
+      </p:sp>
     </p:spTree>
     <p:extLst>
       <p:ext uri="{BB962C8B-B14F-4D97-AF65-F5344CB8AC3E}">
-        <p14:creationId xmlns:p14="http://schemas.microsoft.com/office/powerpoint/2010/main" val="3347750143"/>
+        <p14:creationId xmlns:p14="http://schemas.microsoft.com/office/powerpoint/2010/main" val="3090015244"/>
       </p:ext>
     </p:extLst>
   </p:cSld>
@@ -10275,7 +10448,7 @@
                 <a:ea typeface="+mj-ea"/>
                 <a:cs typeface="Arial" pitchFamily="34" charset="0"/>
               </a:rPr>
-              <a:t>1a. Docker continued</a:t>
+              <a:t>1. Docker</a:t>
             </a:r>
             <a:endParaRPr lang="en-US" sz="2800" b="1" dirty="0">
               <a:gradFill>
@@ -10301,7 +10474,7 @@
       </p:sp>
       <p:pic>
         <p:nvPicPr>
-          <p:cNvPr id="3" name="Picture 2"/>
+          <p:cNvPr id="7" name="Picture 6"/>
           <p:cNvPicPr>
             <a:picLocks noChangeAspect="1"/>
           </p:cNvPicPr>
@@ -10315,8 +10488,8 @@
         </p:blipFill>
         <p:spPr>
           <a:xfrm>
-            <a:off x="287867" y="1177484"/>
-            <a:ext cx="13631333" cy="7116028"/>
+            <a:off x="999067" y="1011997"/>
+            <a:ext cx="12987866" cy="7320433"/>
           </a:xfrm>
           <a:prstGeom prst="rect">
             <a:avLst/>
@@ -10326,7 +10499,7 @@
     </p:spTree>
     <p:extLst>
       <p:ext uri="{BB962C8B-B14F-4D97-AF65-F5344CB8AC3E}">
-        <p14:creationId xmlns:p14="http://schemas.microsoft.com/office/powerpoint/2010/main" val="2832969009"/>
+        <p14:creationId xmlns:p14="http://schemas.microsoft.com/office/powerpoint/2010/main" val="3347750143"/>
       </p:ext>
     </p:extLst>
   </p:cSld>
@@ -10402,7 +10575,7 @@
                 <a:ea typeface="+mj-ea"/>
                 <a:cs typeface="Arial" pitchFamily="34" charset="0"/>
               </a:rPr>
-              <a:t>1b. Docker continued</a:t>
+              <a:t>1a. Docker continued</a:t>
             </a:r>
             <a:endParaRPr lang="en-US" sz="2800" b="1" dirty="0">
               <a:gradFill>
@@ -10442,8 +10615,8 @@
         </p:blipFill>
         <p:spPr>
           <a:xfrm>
-            <a:off x="270933" y="1219199"/>
-            <a:ext cx="13902267" cy="6993467"/>
+            <a:off x="287867" y="1177484"/>
+            <a:ext cx="13631333" cy="7116028"/>
           </a:xfrm>
           <a:prstGeom prst="rect">
             <a:avLst/>
@@ -10453,7 +10626,7 @@
     </p:spTree>
     <p:extLst>
       <p:ext uri="{BB962C8B-B14F-4D97-AF65-F5344CB8AC3E}">
-        <p14:creationId xmlns:p14="http://schemas.microsoft.com/office/powerpoint/2010/main" val="3757107430"/>
+        <p14:creationId xmlns:p14="http://schemas.microsoft.com/office/powerpoint/2010/main" val="2832969009"/>
       </p:ext>
     </p:extLst>
   </p:cSld>
@@ -10529,6 +10702,133 @@
                 <a:ea typeface="+mj-ea"/>
                 <a:cs typeface="Arial" pitchFamily="34" charset="0"/>
               </a:rPr>
+              <a:t>1b. Docker continued</a:t>
+            </a:r>
+            <a:endParaRPr lang="en-US" sz="2800" b="1" dirty="0">
+              <a:gradFill>
+                <a:gsLst>
+                  <a:gs pos="0">
+                    <a:schemeClr val="tx1"/>
+                  </a:gs>
+                  <a:gs pos="44000">
+                    <a:srgbClr val="01BBBB"/>
+                  </a:gs>
+                  <a:gs pos="100000">
+                    <a:schemeClr val="accent4"/>
+                  </a:gs>
+                </a:gsLst>
+                <a:lin ang="4800000" scaled="0"/>
+              </a:gradFill>
+              <a:latin typeface="Arial" pitchFamily="34" charset="0"/>
+              <a:ea typeface="+mj-ea"/>
+              <a:cs typeface="Arial" pitchFamily="34" charset="0"/>
+            </a:endParaRPr>
+          </a:p>
+        </p:txBody>
+      </p:sp>
+      <p:pic>
+        <p:nvPicPr>
+          <p:cNvPr id="3" name="Picture 2"/>
+          <p:cNvPicPr>
+            <a:picLocks noChangeAspect="1"/>
+          </p:cNvPicPr>
+          <p:nvPr/>
+        </p:nvPicPr>
+        <p:blipFill>
+          <a:blip r:embed="rId3"/>
+          <a:stretch>
+            <a:fillRect/>
+          </a:stretch>
+        </p:blipFill>
+        <p:spPr>
+          <a:xfrm>
+            <a:off x="270933" y="1219199"/>
+            <a:ext cx="13902267" cy="6993467"/>
+          </a:xfrm>
+          <a:prstGeom prst="rect">
+            <a:avLst/>
+          </a:prstGeom>
+        </p:spPr>
+      </p:pic>
+    </p:spTree>
+    <p:extLst>
+      <p:ext uri="{BB962C8B-B14F-4D97-AF65-F5344CB8AC3E}">
+        <p14:creationId xmlns:p14="http://schemas.microsoft.com/office/powerpoint/2010/main" val="3757107430"/>
+      </p:ext>
+    </p:extLst>
+  </p:cSld>
+  <p:clrMapOvr>
+    <a:masterClrMapping/>
+  </p:clrMapOvr>
+  <p:timing>
+    <p:tnLst>
+      <p:par>
+        <p:cTn xmlns:p14="http://schemas.microsoft.com/office/powerpoint/2010/main" id="1" dur="indefinite" restart="never" nodeType="tmRoot"/>
+      </p:par>
+    </p:tnLst>
+  </p:timing>
+</p:sld>
+</file>
+
+<file path=ppt/slides/slide6.xml><?xml version="1.0" encoding="utf-8"?>
+<p:sld xmlns:a="http://schemas.openxmlformats.org/drawingml/2006/main" xmlns:r="http://schemas.openxmlformats.org/officeDocument/2006/relationships" xmlns:p="http://schemas.openxmlformats.org/presentationml/2006/main">
+  <p:cSld>
+    <p:spTree>
+      <p:nvGrpSpPr>
+        <p:cNvPr id="1" name=""/>
+        <p:cNvGrpSpPr/>
+        <p:nvPr/>
+      </p:nvGrpSpPr>
+      <p:grpSpPr>
+        <a:xfrm>
+          <a:off x="0" y="0"/>
+          <a:ext cx="0" cy="0"/>
+          <a:chOff x="0" y="0"/>
+          <a:chExt cx="0" cy="0"/>
+        </a:xfrm>
+      </p:grpSpPr>
+      <p:sp>
+        <p:nvSpPr>
+          <p:cNvPr id="2" name="TextBox 1"/>
+          <p:cNvSpPr txBox="1"/>
+          <p:nvPr/>
+        </p:nvSpPr>
+        <p:spPr>
+          <a:xfrm>
+            <a:off x="580959" y="560176"/>
+            <a:ext cx="11230639" cy="523220"/>
+          </a:xfrm>
+          <a:prstGeom prst="rect">
+            <a:avLst/>
+          </a:prstGeom>
+          <a:noFill/>
+        </p:spPr>
+        <p:txBody>
+          <a:bodyPr wrap="square" rtlCol="0">
+            <a:spAutoFit/>
+          </a:bodyPr>
+          <a:lstStyle/>
+          <a:p>
+            <a:r>
+              <a:rPr lang="en-US" sz="2800" b="1" dirty="0" smtClean="0">
+                <a:gradFill>
+                  <a:gsLst>
+                    <a:gs pos="0">
+                      <a:schemeClr val="tx1"/>
+                    </a:gs>
+                    <a:gs pos="44000">
+                      <a:srgbClr val="01BBBB"/>
+                    </a:gs>
+                    <a:gs pos="100000">
+                      <a:schemeClr val="accent4"/>
+                    </a:gs>
+                  </a:gsLst>
+                  <a:lin ang="4800000" scaled="0"/>
+                </a:gradFill>
+                <a:latin typeface="Arial" pitchFamily="34" charset="0"/>
+                <a:ea typeface="+mj-ea"/>
+                <a:cs typeface="Arial" pitchFamily="34" charset="0"/>
+              </a:rPr>
               <a:t>2. Kubernetes</a:t>
             </a:r>
             <a:endParaRPr lang="en-US" sz="2800" b="1" dirty="0">
@@ -10597,7 +10897,7 @@
 </p:sld>
 </file>
 
-<file path=ppt/slides/slide6.xml><?xml version="1.0" encoding="utf-8"?>
+<file path=ppt/slides/slide7.xml><?xml version="1.0" encoding="utf-8"?>
 <p:sld xmlns:a="http://schemas.openxmlformats.org/drawingml/2006/main" xmlns:r="http://schemas.openxmlformats.org/officeDocument/2006/relationships" xmlns:p="http://schemas.openxmlformats.org/presentationml/2006/main">
   <p:cSld>
     <p:spTree>
@@ -10724,7 +11024,7 @@
 </p:sld>
 </file>
 
-<file path=ppt/slides/slide7.xml><?xml version="1.0" encoding="utf-8"?>
+<file path=ppt/slides/slide8.xml><?xml version="1.0" encoding="utf-8"?>
 <p:sld xmlns:a="http://schemas.openxmlformats.org/drawingml/2006/main" xmlns:r="http://schemas.openxmlformats.org/officeDocument/2006/relationships" xmlns:p="http://schemas.openxmlformats.org/presentationml/2006/main">
   <p:cSld>
     <p:spTree>
@@ -10773,7 +11073,7 @@
         <p:spPr>
           <a:xfrm>
             <a:off x="1016000" y="1913467"/>
-            <a:ext cx="8096988" cy="2585323"/>
+            <a:ext cx="12174877" cy="6324807"/>
           </a:xfrm>
           <a:prstGeom prst="rect">
             <a:avLst/>
@@ -10829,6 +11129,90 @@
               <a:t>1</a:t>
             </a:r>
             <a:endParaRPr lang="en-US" dirty="0" smtClean="0"/>
+          </a:p>
+          <a:p>
+            <a:endParaRPr lang="en-US" dirty="0" smtClean="0"/>
+          </a:p>
+          <a:p>
+            <a:r>
+              <a:rPr lang="en-US" dirty="0" smtClean="0"/>
+              <a:t>REST CRUD services in the Google Cloud:</a:t>
+            </a:r>
+          </a:p>
+          <a:p>
+            <a:r>
+              <a:rPr lang="en-US" dirty="0">
+                <a:hlinkClick r:id="rId4"/>
+              </a:rPr>
+              <a:t>http://104.197.141.51/subscriber?id=</a:t>
+            </a:r>
+            <a:r>
+              <a:rPr lang="en-US" dirty="0" smtClean="0">
+                <a:hlinkClick r:id="rId4"/>
+              </a:rPr>
+              <a:t>12</a:t>
+            </a:r>
+            <a:endParaRPr lang="en-US" dirty="0" smtClean="0"/>
+          </a:p>
+          <a:p>
+            <a:endParaRPr lang="en-US" dirty="0"/>
+          </a:p>
+          <a:p>
+            <a:r>
+              <a:rPr lang="en-US" dirty="0" smtClean="0"/>
+              <a:t>Website in the Google Cloud:</a:t>
+            </a:r>
+          </a:p>
+          <a:p>
+            <a:r>
+              <a:rPr lang="en-US" dirty="0">
+                <a:hlinkClick r:id="rId5"/>
+              </a:rPr>
+              <a:t>http://104.197.108.224/subscribers/</a:t>
+            </a:r>
+            <a:r>
+              <a:rPr lang="en-US" dirty="0" smtClean="0">
+                <a:hlinkClick r:id="rId5"/>
+              </a:rPr>
+              <a:t>dynamicsubscribers</a:t>
+            </a:r>
+            <a:endParaRPr lang="en-US" dirty="0" smtClean="0"/>
+          </a:p>
+          <a:p>
+            <a:endParaRPr lang="en-US" dirty="0"/>
+          </a:p>
+          <a:p>
+            <a:r>
+              <a:rPr lang="en-US" dirty="0" err="1" smtClean="0"/>
+              <a:t>Git</a:t>
+            </a:r>
+            <a:r>
+              <a:rPr lang="en-US" dirty="0" smtClean="0"/>
+              <a:t> repository for the source code, </a:t>
+            </a:r>
+            <a:r>
+              <a:rPr lang="en-US" dirty="0" err="1" smtClean="0"/>
+              <a:t>ppt</a:t>
+            </a:r>
+            <a:r>
+              <a:rPr lang="en-US" dirty="0" smtClean="0"/>
+              <a:t>, Docker and Kubernetes files and more:</a:t>
+            </a:r>
+          </a:p>
+          <a:p>
+            <a:r>
+              <a:rPr lang="en-US" dirty="0">
+                <a:hlinkClick r:id="rId6"/>
+              </a:rPr>
+              <a:t>https://github.com/gevgev/</a:t>
+            </a:r>
+            <a:r>
+              <a:rPr lang="en-US" dirty="0" smtClean="0">
+                <a:hlinkClick r:id="rId6"/>
+              </a:rPr>
+              <a:t>subscribers.git</a:t>
+            </a:r>
+            <a:endParaRPr lang="en-US" smtClean="0"/>
           </a:p>
           <a:p>
             <a:endParaRPr lang="en-US" dirty="0"/>
